--- a/c9_kg_augmentation/c9_kg_augmentation.pptx
+++ b/c9_kg_augmentation/c9_kg_augmentation.pptx
@@ -5,23 +5,25 @@
     <p:sldMasterId id="2147483648" r:id="rId1"/>
   </p:sldMasterIdLst>
   <p:sldIdLst>
-    <p:sldId id="256" r:id="rId2"/>
-    <p:sldId id="302" r:id="rId3"/>
-    <p:sldId id="301" r:id="rId4"/>
-    <p:sldId id="300" r:id="rId5"/>
-    <p:sldId id="299" r:id="rId6"/>
-    <p:sldId id="303" r:id="rId7"/>
-    <p:sldId id="307" r:id="rId8"/>
-    <p:sldId id="304" r:id="rId9"/>
-    <p:sldId id="305" r:id="rId10"/>
-    <p:sldId id="308" r:id="rId11"/>
-    <p:sldId id="309" r:id="rId12"/>
-    <p:sldId id="306" r:id="rId13"/>
-    <p:sldId id="314" r:id="rId14"/>
-    <p:sldId id="310" r:id="rId15"/>
-    <p:sldId id="313" r:id="rId16"/>
-    <p:sldId id="312" r:id="rId17"/>
-    <p:sldId id="311" r:id="rId18"/>
+    <p:sldId id="302" r:id="rId2"/>
+    <p:sldId id="301" r:id="rId3"/>
+    <p:sldId id="300" r:id="rId4"/>
+    <p:sldId id="299" r:id="rId5"/>
+    <p:sldId id="303" r:id="rId6"/>
+    <p:sldId id="307" r:id="rId7"/>
+    <p:sldId id="304" r:id="rId8"/>
+    <p:sldId id="305" r:id="rId9"/>
+    <p:sldId id="308" r:id="rId10"/>
+    <p:sldId id="309" r:id="rId11"/>
+    <p:sldId id="306" r:id="rId12"/>
+    <p:sldId id="315" r:id="rId13"/>
+    <p:sldId id="316" r:id="rId14"/>
+    <p:sldId id="314" r:id="rId15"/>
+    <p:sldId id="310" r:id="rId16"/>
+    <p:sldId id="317" r:id="rId17"/>
+    <p:sldId id="313" r:id="rId18"/>
+    <p:sldId id="312" r:id="rId19"/>
+    <p:sldId id="311" r:id="rId20"/>
   </p:sldIdLst>
   <p:sldSz cx="12192000" cy="6858000"/>
   <p:notesSz cx="6858000" cy="9144000"/>
@@ -3342,15 +3344,15 @@
           <p:cNvPr id="2" name="Title 1">
             <a:extLst>
               <a:ext uri="{FF2B5EF4-FFF2-40B4-BE49-F238E27FC236}">
-                <a16:creationId xmlns:a16="http://schemas.microsoft.com/office/drawing/2014/main" id="{85AE38C6-E452-1B48-BF2D-80BD6176FFF9}"/>
-              </a:ext>
-            </a:extLst>
-          </p:cNvPr>
-          <p:cNvSpPr>
-            <a:spLocks noGrp="1"/>
-          </p:cNvSpPr>
-          <p:nvPr>
-            <p:ph type="ctrTitle"/>
+                <a16:creationId xmlns:a16="http://schemas.microsoft.com/office/drawing/2014/main" id="{3880092F-DBE5-DC41-B089-5A5E0DC2D6B6}"/>
+              </a:ext>
+            </a:extLst>
+          </p:cNvPr>
+          <p:cNvSpPr>
+            <a:spLocks noGrp="1"/>
+          </p:cNvSpPr>
+          <p:nvPr>
+            <p:ph type="title"/>
           </p:nvPr>
         </p:nvSpPr>
         <p:spPr/>
@@ -3362,35 +3364,39 @@
           </a:p>
         </p:txBody>
       </p:sp>
-      <p:sp>
-        <p:nvSpPr>
-          <p:cNvPr id="3" name="Subtitle 2">
-            <a:extLst>
-              <a:ext uri="{FF2B5EF4-FFF2-40B4-BE49-F238E27FC236}">
-                <a16:creationId xmlns:a16="http://schemas.microsoft.com/office/drawing/2014/main" id="{9D4F7D52-41AA-9E43-8F1C-7CFBA4C5C2B2}"/>
-              </a:ext>
-            </a:extLst>
-          </p:cNvPr>
-          <p:cNvSpPr>
-            <a:spLocks noGrp="1"/>
-          </p:cNvSpPr>
-          <p:nvPr>
-            <p:ph type="subTitle" idx="1"/>
-          </p:nvPr>
-        </p:nvSpPr>
-        <p:spPr/>
-        <p:txBody>
-          <a:bodyPr/>
-          <a:lstStyle/>
-          <a:p>
-            <a:endParaRPr lang="en-US"/>
-          </a:p>
-        </p:txBody>
-      </p:sp>
+      <p:pic>
+        <p:nvPicPr>
+          <p:cNvPr id="5" name="Content Placeholder 4" descr="Text&#10;&#10;Description automatically generated">
+            <a:extLst>
+              <a:ext uri="{FF2B5EF4-FFF2-40B4-BE49-F238E27FC236}">
+                <a16:creationId xmlns:a16="http://schemas.microsoft.com/office/drawing/2014/main" id="{17024E27-14D4-3546-BB77-009CB5C39E47}"/>
+              </a:ext>
+            </a:extLst>
+          </p:cNvPr>
+          <p:cNvPicPr>
+            <a:picLocks noGrp="1" noChangeAspect="1"/>
+          </p:cNvPicPr>
+          <p:nvPr>
+            <p:ph idx="1"/>
+          </p:nvPr>
+        </p:nvPicPr>
+        <p:blipFill>
+          <a:blip r:embed="rId2"/>
+          <a:stretch>
+            <a:fillRect/>
+          </a:stretch>
+        </p:blipFill>
+        <p:spPr>
+          <a:xfrm>
+            <a:off x="258081" y="1914144"/>
+            <a:ext cx="11865403" cy="3331242"/>
+          </a:xfrm>
+        </p:spPr>
+      </p:pic>
     </p:spTree>
     <p:extLst>
       <p:ext uri="{BB962C8B-B14F-4D97-AF65-F5344CB8AC3E}">
-        <p14:creationId xmlns:p14="http://schemas.microsoft.com/office/powerpoint/2010/main" val="2358800312"/>
+        <p14:creationId xmlns:p14="http://schemas.microsoft.com/office/powerpoint/2010/main" val="3602747188"/>
       </p:ext>
     </p:extLst>
   </p:cSld>
@@ -3401,95 +3407,6 @@
 </file>
 
 <file path=ppt/slides/slide10.xml><?xml version="1.0" encoding="utf-8"?>
-<p:sld xmlns:a="http://schemas.openxmlformats.org/drawingml/2006/main" xmlns:r="http://schemas.openxmlformats.org/officeDocument/2006/relationships" xmlns:p="http://schemas.openxmlformats.org/presentationml/2006/main">
-  <p:cSld>
-    <p:spTree>
-      <p:nvGrpSpPr>
-        <p:cNvPr id="1" name=""/>
-        <p:cNvGrpSpPr/>
-        <p:nvPr/>
-      </p:nvGrpSpPr>
-      <p:grpSpPr>
-        <a:xfrm>
-          <a:off x="0" y="0"/>
-          <a:ext cx="0" cy="0"/>
-          <a:chOff x="0" y="0"/>
-          <a:chExt cx="0" cy="0"/>
-        </a:xfrm>
-      </p:grpSpPr>
-      <p:pic>
-        <p:nvPicPr>
-          <p:cNvPr id="5" name="Content Placeholder 4" descr="Text&#10;&#10;Description automatically generated">
-            <a:extLst>
-              <a:ext uri="{FF2B5EF4-FFF2-40B4-BE49-F238E27FC236}">
-                <a16:creationId xmlns:a16="http://schemas.microsoft.com/office/drawing/2014/main" id="{4CA4065B-F9BB-CD40-BDFD-AEFB46A229DE}"/>
-              </a:ext>
-            </a:extLst>
-          </p:cNvPr>
-          <p:cNvPicPr>
-            <a:picLocks noGrp="1" noChangeAspect="1"/>
-          </p:cNvPicPr>
-          <p:nvPr>
-            <p:ph idx="1"/>
-          </p:nvPr>
-        </p:nvPicPr>
-        <p:blipFill>
-          <a:blip r:embed="rId2"/>
-          <a:stretch>
-            <a:fillRect/>
-          </a:stretch>
-        </p:blipFill>
-        <p:spPr>
-          <a:xfrm>
-            <a:off x="659606" y="1240176"/>
-            <a:ext cx="4412266" cy="5252699"/>
-          </a:xfrm>
-        </p:spPr>
-      </p:pic>
-      <p:pic>
-        <p:nvPicPr>
-          <p:cNvPr id="7" name="Picture 6" descr="Text&#10;&#10;Description automatically generated">
-            <a:extLst>
-              <a:ext uri="{FF2B5EF4-FFF2-40B4-BE49-F238E27FC236}">
-                <a16:creationId xmlns:a16="http://schemas.microsoft.com/office/drawing/2014/main" id="{0926B594-31DF-2C47-98DA-A13EC3A686B0}"/>
-              </a:ext>
-            </a:extLst>
-          </p:cNvPr>
-          <p:cNvPicPr>
-            <a:picLocks noChangeAspect="1"/>
-          </p:cNvPicPr>
-          <p:nvPr/>
-        </p:nvPicPr>
-        <p:blipFill>
-          <a:blip r:embed="rId3"/>
-          <a:stretch>
-            <a:fillRect/>
-          </a:stretch>
-        </p:blipFill>
-        <p:spPr>
-          <a:xfrm>
-            <a:off x="6096000" y="1061271"/>
-            <a:ext cx="4907788" cy="3399033"/>
-          </a:xfrm>
-          <a:prstGeom prst="rect">
-            <a:avLst/>
-          </a:prstGeom>
-        </p:spPr>
-      </p:pic>
-    </p:spTree>
-    <p:extLst>
-      <p:ext uri="{BB962C8B-B14F-4D97-AF65-F5344CB8AC3E}">
-        <p14:creationId xmlns:p14="http://schemas.microsoft.com/office/powerpoint/2010/main" val="2383411359"/>
-      </p:ext>
-    </p:extLst>
-  </p:cSld>
-  <p:clrMapOvr>
-    <a:masterClrMapping/>
-  </p:clrMapOvr>
-</p:sld>
-</file>
-
-<file path=ppt/slides/slide11.xml><?xml version="1.0" encoding="utf-8"?>
 <p:sld xmlns:a="http://schemas.openxmlformats.org/drawingml/2006/main" xmlns:r="http://schemas.openxmlformats.org/officeDocument/2006/relationships" xmlns:p="http://schemas.openxmlformats.org/presentationml/2006/main">
   <p:cSld>
     <p:spTree>
@@ -3578,7 +3495,7 @@
 </p:sld>
 </file>
 
-<file path=ppt/slides/slide12.xml><?xml version="1.0" encoding="utf-8"?>
+<file path=ppt/slides/slide11.xml><?xml version="1.0" encoding="utf-8"?>
 <p:sld xmlns:a="http://schemas.openxmlformats.org/drawingml/2006/main" xmlns:r="http://schemas.openxmlformats.org/officeDocument/2006/relationships" xmlns:p="http://schemas.openxmlformats.org/presentationml/2006/main">
   <p:cSld>
     <p:spTree>
@@ -3637,7 +3554,178 @@
 </p:sld>
 </file>
 
+<file path=ppt/slides/slide12.xml><?xml version="1.0" encoding="utf-8"?>
+<p:sld xmlns:a="http://schemas.openxmlformats.org/drawingml/2006/main" xmlns:r="http://schemas.openxmlformats.org/officeDocument/2006/relationships" xmlns:p="http://schemas.openxmlformats.org/presentationml/2006/main">
+  <p:cSld>
+    <p:spTree>
+      <p:nvGrpSpPr>
+        <p:cNvPr id="1" name=""/>
+        <p:cNvGrpSpPr/>
+        <p:nvPr/>
+      </p:nvGrpSpPr>
+      <p:grpSpPr>
+        <a:xfrm>
+          <a:off x="0" y="0"/>
+          <a:ext cx="0" cy="0"/>
+          <a:chOff x="0" y="0"/>
+          <a:chExt cx="0" cy="0"/>
+        </a:xfrm>
+      </p:grpSpPr>
+      <p:sp>
+        <p:nvSpPr>
+          <p:cNvPr id="2" name="Title 1">
+            <a:extLst>
+              <a:ext uri="{FF2B5EF4-FFF2-40B4-BE49-F238E27FC236}">
+                <a16:creationId xmlns:a16="http://schemas.microsoft.com/office/drawing/2014/main" id="{4F37ACFB-2682-5A47-B3A4-16C36ABBDC38}"/>
+              </a:ext>
+            </a:extLst>
+          </p:cNvPr>
+          <p:cNvSpPr>
+            <a:spLocks noGrp="1"/>
+          </p:cNvSpPr>
+          <p:nvPr>
+            <p:ph type="title"/>
+          </p:nvPr>
+        </p:nvSpPr>
+        <p:spPr/>
+        <p:txBody>
+          <a:bodyPr/>
+          <a:lstStyle/>
+          <a:p>
+            <a:endParaRPr lang="en-US"/>
+          </a:p>
+        </p:txBody>
+      </p:sp>
+      <p:pic>
+        <p:nvPicPr>
+          <p:cNvPr id="5" name="Content Placeholder 4" descr="Text, letter&#10;&#10;Description automatically generated">
+            <a:extLst>
+              <a:ext uri="{FF2B5EF4-FFF2-40B4-BE49-F238E27FC236}">
+                <a16:creationId xmlns:a16="http://schemas.microsoft.com/office/drawing/2014/main" id="{EBD3F166-0DC6-9A46-86B0-DFCAA78E97E3}"/>
+              </a:ext>
+            </a:extLst>
+          </p:cNvPr>
+          <p:cNvPicPr>
+            <a:picLocks noGrp="1" noChangeAspect="1"/>
+          </p:cNvPicPr>
+          <p:nvPr>
+            <p:ph idx="1"/>
+          </p:nvPr>
+        </p:nvPicPr>
+        <p:blipFill>
+          <a:blip r:embed="rId2"/>
+          <a:stretch>
+            <a:fillRect/>
+          </a:stretch>
+        </p:blipFill>
+        <p:spPr>
+          <a:xfrm>
+            <a:off x="1294283" y="776287"/>
+            <a:ext cx="9181102" cy="5305425"/>
+          </a:xfrm>
+        </p:spPr>
+      </p:pic>
+    </p:spTree>
+    <p:extLst>
+      <p:ext uri="{BB962C8B-B14F-4D97-AF65-F5344CB8AC3E}">
+        <p14:creationId xmlns:p14="http://schemas.microsoft.com/office/powerpoint/2010/main" val="3348127427"/>
+      </p:ext>
+    </p:extLst>
+  </p:cSld>
+  <p:clrMapOvr>
+    <a:masterClrMapping/>
+  </p:clrMapOvr>
+</p:sld>
+</file>
+
 <file path=ppt/slides/slide13.xml><?xml version="1.0" encoding="utf-8"?>
+<p:sld xmlns:a="http://schemas.openxmlformats.org/drawingml/2006/main" xmlns:r="http://schemas.openxmlformats.org/officeDocument/2006/relationships" xmlns:p="http://schemas.openxmlformats.org/presentationml/2006/main">
+  <p:cSld>
+    <p:spTree>
+      <p:nvGrpSpPr>
+        <p:cNvPr id="1" name=""/>
+        <p:cNvGrpSpPr/>
+        <p:nvPr/>
+      </p:nvGrpSpPr>
+      <p:grpSpPr>
+        <a:xfrm>
+          <a:off x="0" y="0"/>
+          <a:ext cx="0" cy="0"/>
+          <a:chOff x="0" y="0"/>
+          <a:chExt cx="0" cy="0"/>
+        </a:xfrm>
+      </p:grpSpPr>
+      <p:sp>
+        <p:nvSpPr>
+          <p:cNvPr id="2" name="Title 1">
+            <a:extLst>
+              <a:ext uri="{FF2B5EF4-FFF2-40B4-BE49-F238E27FC236}">
+                <a16:creationId xmlns:a16="http://schemas.microsoft.com/office/drawing/2014/main" id="{33158498-6A45-E84B-AED8-B845DC3C0781}"/>
+              </a:ext>
+            </a:extLst>
+          </p:cNvPr>
+          <p:cNvSpPr>
+            <a:spLocks noGrp="1"/>
+          </p:cNvSpPr>
+          <p:nvPr>
+            <p:ph type="title"/>
+          </p:nvPr>
+        </p:nvSpPr>
+        <p:spPr/>
+        <p:txBody>
+          <a:bodyPr/>
+          <a:lstStyle/>
+          <a:p>
+            <a:r>
+              <a:rPr lang="en-US" dirty="0"/>
+              <a:t>Word2vec comparison</a:t>
+            </a:r>
+          </a:p>
+        </p:txBody>
+      </p:sp>
+      <p:pic>
+        <p:nvPicPr>
+          <p:cNvPr id="5" name="Content Placeholder 4" descr="Text&#10;&#10;Description automatically generated">
+            <a:extLst>
+              <a:ext uri="{FF2B5EF4-FFF2-40B4-BE49-F238E27FC236}">
+                <a16:creationId xmlns:a16="http://schemas.microsoft.com/office/drawing/2014/main" id="{E5165C4C-B176-2A4F-B30B-3E67FF01078B}"/>
+              </a:ext>
+            </a:extLst>
+          </p:cNvPr>
+          <p:cNvPicPr>
+            <a:picLocks noGrp="1" noChangeAspect="1"/>
+          </p:cNvPicPr>
+          <p:nvPr>
+            <p:ph idx="1"/>
+          </p:nvPr>
+        </p:nvPicPr>
+        <p:blipFill>
+          <a:blip r:embed="rId2"/>
+          <a:stretch>
+            <a:fillRect/>
+          </a:stretch>
+        </p:blipFill>
+        <p:spPr>
+          <a:xfrm>
+            <a:off x="2100263" y="1801020"/>
+            <a:ext cx="6983651" cy="4561681"/>
+          </a:xfrm>
+        </p:spPr>
+      </p:pic>
+    </p:spTree>
+    <p:extLst>
+      <p:ext uri="{BB962C8B-B14F-4D97-AF65-F5344CB8AC3E}">
+        <p14:creationId xmlns:p14="http://schemas.microsoft.com/office/powerpoint/2010/main" val="3393677507"/>
+      </p:ext>
+    </p:extLst>
+  </p:cSld>
+  <p:clrMapOvr>
+    <a:masterClrMapping/>
+  </p:clrMapOvr>
+</p:sld>
+</file>
+
+<file path=ppt/slides/slide14.xml><?xml version="1.0" encoding="utf-8"?>
 <p:sld xmlns:a="http://schemas.openxmlformats.org/drawingml/2006/main" xmlns:r="http://schemas.openxmlformats.org/officeDocument/2006/relationships" xmlns:p="http://schemas.openxmlformats.org/presentationml/2006/main">
   <p:cSld>
     <p:spTree>
@@ -3697,7 +3785,7 @@
 </p:sld>
 </file>
 
-<file path=ppt/slides/slide14.xml><?xml version="1.0" encoding="utf-8"?>
+<file path=ppt/slides/slide15.xml><?xml version="1.0" encoding="utf-8"?>
 <p:sld xmlns:a="http://schemas.openxmlformats.org/drawingml/2006/main" xmlns:r="http://schemas.openxmlformats.org/officeDocument/2006/relationships" xmlns:p="http://schemas.openxmlformats.org/presentationml/2006/main">
   <p:cSld>
     <p:spTree>
@@ -3714,31 +3802,6 @@
           <a:chExt cx="0" cy="0"/>
         </a:xfrm>
       </p:grpSpPr>
-      <p:sp>
-        <p:nvSpPr>
-          <p:cNvPr id="2" name="Title 1">
-            <a:extLst>
-              <a:ext uri="{FF2B5EF4-FFF2-40B4-BE49-F238E27FC236}">
-                <a16:creationId xmlns:a16="http://schemas.microsoft.com/office/drawing/2014/main" id="{A83FF433-B53F-444D-84C6-EEE80881E3E4}"/>
-              </a:ext>
-            </a:extLst>
-          </p:cNvPr>
-          <p:cNvSpPr>
-            <a:spLocks noGrp="1"/>
-          </p:cNvSpPr>
-          <p:nvPr>
-            <p:ph type="title"/>
-          </p:nvPr>
-        </p:nvSpPr>
-        <p:spPr/>
-        <p:txBody>
-          <a:bodyPr/>
-          <a:lstStyle/>
-          <a:p>
-            <a:endParaRPr lang="en-US"/>
-          </a:p>
-        </p:txBody>
-      </p:sp>
       <p:pic>
         <p:nvPicPr>
           <p:cNvPr id="29" name="Picture 28" descr="Text&#10;&#10;Description automatically generated">
@@ -3799,31 +3862,6 @@
           </a:prstGeom>
         </p:spPr>
       </p:pic>
-      <p:sp>
-        <p:nvSpPr>
-          <p:cNvPr id="39" name="Content Placeholder 38">
-            <a:extLst>
-              <a:ext uri="{FF2B5EF4-FFF2-40B4-BE49-F238E27FC236}">
-                <a16:creationId xmlns:a16="http://schemas.microsoft.com/office/drawing/2014/main" id="{B24A18FF-156C-8B4F-85B9-0A5A16A3C0AC}"/>
-              </a:ext>
-            </a:extLst>
-          </p:cNvPr>
-          <p:cNvSpPr>
-            <a:spLocks noGrp="1"/>
-          </p:cNvSpPr>
-          <p:nvPr>
-            <p:ph idx="1"/>
-          </p:nvPr>
-        </p:nvSpPr>
-        <p:spPr/>
-        <p:txBody>
-          <a:bodyPr/>
-          <a:lstStyle/>
-          <a:p>
-            <a:endParaRPr lang="en-US"/>
-          </a:p>
-        </p:txBody>
-      </p:sp>
     </p:spTree>
     <p:extLst>
       <p:ext uri="{BB962C8B-B14F-4D97-AF65-F5344CB8AC3E}">
@@ -3837,7 +3875,95 @@
 </p:sld>
 </file>
 
-<file path=ppt/slides/slide15.xml><?xml version="1.0" encoding="utf-8"?>
+<file path=ppt/slides/slide16.xml><?xml version="1.0" encoding="utf-8"?>
+<p:sld xmlns:a="http://schemas.openxmlformats.org/drawingml/2006/main" xmlns:r="http://schemas.openxmlformats.org/officeDocument/2006/relationships" xmlns:p="http://schemas.openxmlformats.org/presentationml/2006/main">
+  <p:cSld>
+    <p:spTree>
+      <p:nvGrpSpPr>
+        <p:cNvPr id="1" name=""/>
+        <p:cNvGrpSpPr/>
+        <p:nvPr/>
+      </p:nvGrpSpPr>
+      <p:grpSpPr>
+        <a:xfrm>
+          <a:off x="0" y="0"/>
+          <a:ext cx="0" cy="0"/>
+          <a:chOff x="0" y="0"/>
+          <a:chExt cx="0" cy="0"/>
+        </a:xfrm>
+      </p:grpSpPr>
+      <p:sp>
+        <p:nvSpPr>
+          <p:cNvPr id="2" name="Title 1">
+            <a:extLst>
+              <a:ext uri="{FF2B5EF4-FFF2-40B4-BE49-F238E27FC236}">
+                <a16:creationId xmlns:a16="http://schemas.microsoft.com/office/drawing/2014/main" id="{1AA77838-45B5-EE46-8264-02FFA484A2B3}"/>
+              </a:ext>
+            </a:extLst>
+          </p:cNvPr>
+          <p:cNvSpPr>
+            <a:spLocks noGrp="1"/>
+          </p:cNvSpPr>
+          <p:nvPr>
+            <p:ph type="title"/>
+          </p:nvPr>
+        </p:nvSpPr>
+        <p:spPr/>
+        <p:txBody>
+          <a:bodyPr/>
+          <a:lstStyle/>
+          <a:p>
+            <a:r>
+              <a:rPr lang="en-US" dirty="0" err="1"/>
+              <a:t>FeQa</a:t>
+            </a:r>
+            <a:endParaRPr lang="en-US" dirty="0"/>
+          </a:p>
+        </p:txBody>
+      </p:sp>
+      <p:pic>
+        <p:nvPicPr>
+          <p:cNvPr id="5" name="Content Placeholder 4" descr="Diagram&#10;&#10;Description automatically generated">
+            <a:extLst>
+              <a:ext uri="{FF2B5EF4-FFF2-40B4-BE49-F238E27FC236}">
+                <a16:creationId xmlns:a16="http://schemas.microsoft.com/office/drawing/2014/main" id="{BC17DDAE-2380-1245-9A5C-864EBD1319C3}"/>
+              </a:ext>
+            </a:extLst>
+          </p:cNvPr>
+          <p:cNvPicPr>
+            <a:picLocks noGrp="1" noChangeAspect="1"/>
+          </p:cNvPicPr>
+          <p:nvPr>
+            <p:ph idx="1"/>
+          </p:nvPr>
+        </p:nvPicPr>
+        <p:blipFill>
+          <a:blip r:embed="rId2"/>
+          <a:stretch>
+            <a:fillRect/>
+          </a:stretch>
+        </p:blipFill>
+        <p:spPr>
+          <a:xfrm>
+            <a:off x="838200" y="1735875"/>
+            <a:ext cx="9207500" cy="3967219"/>
+          </a:xfrm>
+        </p:spPr>
+      </p:pic>
+    </p:spTree>
+    <p:extLst>
+      <p:ext uri="{BB962C8B-B14F-4D97-AF65-F5344CB8AC3E}">
+        <p14:creationId xmlns:p14="http://schemas.microsoft.com/office/powerpoint/2010/main" val="2084836748"/>
+      </p:ext>
+    </p:extLst>
+  </p:cSld>
+  <p:clrMapOvr>
+    <a:masterClrMapping/>
+  </p:clrMapOvr>
+</p:sld>
+</file>
+
+<file path=ppt/slides/slide17.xml><?xml version="1.0" encoding="utf-8"?>
 <p:sld xmlns:a="http://schemas.openxmlformats.org/drawingml/2006/main" xmlns:r="http://schemas.openxmlformats.org/officeDocument/2006/relationships" xmlns:p="http://schemas.openxmlformats.org/presentationml/2006/main">
   <p:cSld>
     <p:spTree>
@@ -3947,7 +4073,7 @@
 </p:sld>
 </file>
 
-<file path=ppt/slides/slide16.xml><?xml version="1.0" encoding="utf-8"?>
+<file path=ppt/slides/slide18.xml><?xml version="1.0" encoding="utf-8"?>
 <p:sld xmlns:a="http://schemas.openxmlformats.org/drawingml/2006/main" xmlns:r="http://schemas.openxmlformats.org/officeDocument/2006/relationships" xmlns:p="http://schemas.openxmlformats.org/presentationml/2006/main">
   <p:cSld>
     <p:spTree>
@@ -4007,7 +4133,7 @@
 </p:sld>
 </file>
 
-<file path=ppt/slides/slide17.xml><?xml version="1.0" encoding="utf-8"?>
+<file path=ppt/slides/slide19.xml><?xml version="1.0" encoding="utf-8"?>
 <p:sld xmlns:a="http://schemas.openxmlformats.org/drawingml/2006/main" xmlns:r="http://schemas.openxmlformats.org/officeDocument/2006/relationships" xmlns:p="http://schemas.openxmlformats.org/presentationml/2006/main">
   <p:cSld>
     <p:spTree>
@@ -4139,90 +4265,6 @@
           <a:chExt cx="0" cy="0"/>
         </a:xfrm>
       </p:grpSpPr>
-      <p:sp>
-        <p:nvSpPr>
-          <p:cNvPr id="2" name="Title 1">
-            <a:extLst>
-              <a:ext uri="{FF2B5EF4-FFF2-40B4-BE49-F238E27FC236}">
-                <a16:creationId xmlns:a16="http://schemas.microsoft.com/office/drawing/2014/main" id="{3880092F-DBE5-DC41-B089-5A5E0DC2D6B6}"/>
-              </a:ext>
-            </a:extLst>
-          </p:cNvPr>
-          <p:cNvSpPr>
-            <a:spLocks noGrp="1"/>
-          </p:cNvSpPr>
-          <p:nvPr>
-            <p:ph type="title"/>
-          </p:nvPr>
-        </p:nvSpPr>
-        <p:spPr/>
-        <p:txBody>
-          <a:bodyPr/>
-          <a:lstStyle/>
-          <a:p>
-            <a:endParaRPr lang="en-US"/>
-          </a:p>
-        </p:txBody>
-      </p:sp>
-      <p:pic>
-        <p:nvPicPr>
-          <p:cNvPr id="5" name="Content Placeholder 4" descr="Text&#10;&#10;Description automatically generated">
-            <a:extLst>
-              <a:ext uri="{FF2B5EF4-FFF2-40B4-BE49-F238E27FC236}">
-                <a16:creationId xmlns:a16="http://schemas.microsoft.com/office/drawing/2014/main" id="{17024E27-14D4-3546-BB77-009CB5C39E47}"/>
-              </a:ext>
-            </a:extLst>
-          </p:cNvPr>
-          <p:cNvPicPr>
-            <a:picLocks noGrp="1" noChangeAspect="1"/>
-          </p:cNvPicPr>
-          <p:nvPr>
-            <p:ph idx="1"/>
-          </p:nvPr>
-        </p:nvPicPr>
-        <p:blipFill>
-          <a:blip r:embed="rId2"/>
-          <a:stretch>
-            <a:fillRect/>
-          </a:stretch>
-        </p:blipFill>
-        <p:spPr>
-          <a:xfrm>
-            <a:off x="258081" y="1914144"/>
-            <a:ext cx="11865403" cy="3331242"/>
-          </a:xfrm>
-        </p:spPr>
-      </p:pic>
-    </p:spTree>
-    <p:extLst>
-      <p:ext uri="{BB962C8B-B14F-4D97-AF65-F5344CB8AC3E}">
-        <p14:creationId xmlns:p14="http://schemas.microsoft.com/office/powerpoint/2010/main" val="3602747188"/>
-      </p:ext>
-    </p:extLst>
-  </p:cSld>
-  <p:clrMapOvr>
-    <a:masterClrMapping/>
-  </p:clrMapOvr>
-</p:sld>
-</file>
-
-<file path=ppt/slides/slide3.xml><?xml version="1.0" encoding="utf-8"?>
-<p:sld xmlns:a="http://schemas.openxmlformats.org/drawingml/2006/main" xmlns:r="http://schemas.openxmlformats.org/officeDocument/2006/relationships" xmlns:p="http://schemas.openxmlformats.org/presentationml/2006/main">
-  <p:cSld>
-    <p:spTree>
-      <p:nvGrpSpPr>
-        <p:cNvPr id="1" name=""/>
-        <p:cNvGrpSpPr/>
-        <p:nvPr/>
-      </p:nvGrpSpPr>
-      <p:grpSpPr>
-        <a:xfrm>
-          <a:off x="0" y="0"/>
-          <a:ext cx="0" cy="0"/>
-          <a:chOff x="0" y="0"/>
-          <a:chExt cx="0" cy="0"/>
-        </a:xfrm>
-      </p:grpSpPr>
       <p:pic>
         <p:nvPicPr>
           <p:cNvPr id="4" name="Picture 3" descr="Text&#10;&#10;Description automatically generated">
@@ -4266,7 +4308,7 @@
 </p:sld>
 </file>
 
-<file path=ppt/slides/slide4.xml><?xml version="1.0" encoding="utf-8"?>
+<file path=ppt/slides/slide3.xml><?xml version="1.0" encoding="utf-8"?>
 <p:sld xmlns:a="http://schemas.openxmlformats.org/drawingml/2006/main" xmlns:r="http://schemas.openxmlformats.org/officeDocument/2006/relationships" xmlns:p="http://schemas.openxmlformats.org/presentationml/2006/main">
   <p:cSld>
     <p:spTree>
@@ -4355,7 +4397,7 @@
 </p:sld>
 </file>
 
-<file path=ppt/slides/slide5.xml><?xml version="1.0" encoding="utf-8"?>
+<file path=ppt/slides/slide4.xml><?xml version="1.0" encoding="utf-8"?>
 <p:sld xmlns:a="http://schemas.openxmlformats.org/drawingml/2006/main" xmlns:r="http://schemas.openxmlformats.org/officeDocument/2006/relationships" xmlns:p="http://schemas.openxmlformats.org/presentationml/2006/main">
   <p:cSld>
     <p:spTree>
@@ -4444,7 +4486,7 @@
 </p:sld>
 </file>
 
-<file path=ppt/slides/slide6.xml><?xml version="1.0" encoding="utf-8"?>
+<file path=ppt/slides/slide5.xml><?xml version="1.0" encoding="utf-8"?>
 <p:sld xmlns:a="http://schemas.openxmlformats.org/drawingml/2006/main" xmlns:r="http://schemas.openxmlformats.org/officeDocument/2006/relationships" xmlns:p="http://schemas.openxmlformats.org/presentationml/2006/main">
   <p:cSld>
     <p:spTree>
@@ -4533,7 +4575,7 @@
 </p:sld>
 </file>
 
-<file path=ppt/slides/slide7.xml><?xml version="1.0" encoding="utf-8"?>
+<file path=ppt/slides/slide6.xml><?xml version="1.0" encoding="utf-8"?>
 <p:sld xmlns:a="http://schemas.openxmlformats.org/drawingml/2006/main" xmlns:r="http://schemas.openxmlformats.org/officeDocument/2006/relationships" xmlns:p="http://schemas.openxmlformats.org/presentationml/2006/main">
   <p:cSld>
     <p:spTree>
@@ -4593,7 +4635,7 @@
 </p:sld>
 </file>
 
-<file path=ppt/slides/slide8.xml><?xml version="1.0" encoding="utf-8"?>
+<file path=ppt/slides/slide7.xml><?xml version="1.0" encoding="utf-8"?>
 <p:sld xmlns:a="http://schemas.openxmlformats.org/drawingml/2006/main" xmlns:r="http://schemas.openxmlformats.org/officeDocument/2006/relationships" xmlns:p="http://schemas.openxmlformats.org/presentationml/2006/main">
   <p:cSld>
     <p:spTree>
@@ -4682,7 +4724,7 @@
 </p:sld>
 </file>
 
-<file path=ppt/slides/slide9.xml><?xml version="1.0" encoding="utf-8"?>
+<file path=ppt/slides/slide8.xml><?xml version="1.0" encoding="utf-8"?>
 <p:sld xmlns:a="http://schemas.openxmlformats.org/drawingml/2006/main" xmlns:r="http://schemas.openxmlformats.org/officeDocument/2006/relationships" xmlns:p="http://schemas.openxmlformats.org/presentationml/2006/main">
   <p:cSld>
     <p:spTree>
@@ -4793,6 +4835,95 @@
     <p:extLst>
       <p:ext uri="{BB962C8B-B14F-4D97-AF65-F5344CB8AC3E}">
         <p14:creationId xmlns:p14="http://schemas.microsoft.com/office/powerpoint/2010/main" val="2447732757"/>
+      </p:ext>
+    </p:extLst>
+  </p:cSld>
+  <p:clrMapOvr>
+    <a:masterClrMapping/>
+  </p:clrMapOvr>
+</p:sld>
+</file>
+
+<file path=ppt/slides/slide9.xml><?xml version="1.0" encoding="utf-8"?>
+<p:sld xmlns:a="http://schemas.openxmlformats.org/drawingml/2006/main" xmlns:r="http://schemas.openxmlformats.org/officeDocument/2006/relationships" xmlns:p="http://schemas.openxmlformats.org/presentationml/2006/main">
+  <p:cSld>
+    <p:spTree>
+      <p:nvGrpSpPr>
+        <p:cNvPr id="1" name=""/>
+        <p:cNvGrpSpPr/>
+        <p:nvPr/>
+      </p:nvGrpSpPr>
+      <p:grpSpPr>
+        <a:xfrm>
+          <a:off x="0" y="0"/>
+          <a:ext cx="0" cy="0"/>
+          <a:chOff x="0" y="0"/>
+          <a:chExt cx="0" cy="0"/>
+        </a:xfrm>
+      </p:grpSpPr>
+      <p:pic>
+        <p:nvPicPr>
+          <p:cNvPr id="5" name="Content Placeholder 4" descr="Text&#10;&#10;Description automatically generated">
+            <a:extLst>
+              <a:ext uri="{FF2B5EF4-FFF2-40B4-BE49-F238E27FC236}">
+                <a16:creationId xmlns:a16="http://schemas.microsoft.com/office/drawing/2014/main" id="{4CA4065B-F9BB-CD40-BDFD-AEFB46A229DE}"/>
+              </a:ext>
+            </a:extLst>
+          </p:cNvPr>
+          <p:cNvPicPr>
+            <a:picLocks noGrp="1" noChangeAspect="1"/>
+          </p:cNvPicPr>
+          <p:nvPr>
+            <p:ph idx="1"/>
+          </p:nvPr>
+        </p:nvPicPr>
+        <p:blipFill>
+          <a:blip r:embed="rId2"/>
+          <a:stretch>
+            <a:fillRect/>
+          </a:stretch>
+        </p:blipFill>
+        <p:spPr>
+          <a:xfrm>
+            <a:off x="659606" y="1240176"/>
+            <a:ext cx="4412266" cy="5252699"/>
+          </a:xfrm>
+        </p:spPr>
+      </p:pic>
+      <p:pic>
+        <p:nvPicPr>
+          <p:cNvPr id="7" name="Picture 6" descr="Text&#10;&#10;Description automatically generated">
+            <a:extLst>
+              <a:ext uri="{FF2B5EF4-FFF2-40B4-BE49-F238E27FC236}">
+                <a16:creationId xmlns:a16="http://schemas.microsoft.com/office/drawing/2014/main" id="{0926B594-31DF-2C47-98DA-A13EC3A686B0}"/>
+              </a:ext>
+            </a:extLst>
+          </p:cNvPr>
+          <p:cNvPicPr>
+            <a:picLocks noChangeAspect="1"/>
+          </p:cNvPicPr>
+          <p:nvPr/>
+        </p:nvPicPr>
+        <p:blipFill>
+          <a:blip r:embed="rId3"/>
+          <a:stretch>
+            <a:fillRect/>
+          </a:stretch>
+        </p:blipFill>
+        <p:spPr>
+          <a:xfrm>
+            <a:off x="6096000" y="1061271"/>
+            <a:ext cx="4907788" cy="3399033"/>
+          </a:xfrm>
+          <a:prstGeom prst="rect">
+            <a:avLst/>
+          </a:prstGeom>
+        </p:spPr>
+      </p:pic>
+    </p:spTree>
+    <p:extLst>
+      <p:ext uri="{BB962C8B-B14F-4D97-AF65-F5344CB8AC3E}">
+        <p14:creationId xmlns:p14="http://schemas.microsoft.com/office/powerpoint/2010/main" val="2383411359"/>
       </p:ext>
     </p:extLst>
   </p:cSld>
